--- a/Generic Collections.pptx
+++ b/Generic Collections.pptx
@@ -202,7 +202,7 @@
           <a:p>
             <a:fld id="{ED75D821-A36F-40CE-B1F1-1D2F4BB31FBB}" type="datetimeFigureOut">
               <a:rPr lang="en-US" smtClean="0"/>
-              <a:t>3/10/2014</a:t>
+              <a:t>4/19/2019</a:t>
             </a:fld>
             <a:endParaRPr lang="en-US"/>
           </a:p>
@@ -370,6 +370,11 @@
         </p:txBody>
       </p:sp>
     </p:spTree>
+    <p:extLst>
+      <p:ext uri="{BB962C8B-B14F-4D97-AF65-F5344CB8AC3E}">
+        <p14:creationId xmlns:p14="http://schemas.microsoft.com/office/powerpoint/2010/main" val="2059343074"/>
+      </p:ext>
+    </p:extLst>
   </p:cSld>
   <p:clrMap bg1="lt1" tx1="dk1" bg2="lt2" tx2="dk2" accent1="accent1" accent2="accent2" accent3="accent3" accent4="accent4" accent5="accent5" accent6="accent6" hlink="hlink" folHlink="folHlink"/>
   <p:notesStyle>
@@ -648,7 +653,7 @@
           <a:p>
             <a:fld id="{13ACC7D5-1C40-42D6-93B9-00E290546A56}" type="datetime1">
               <a:rPr lang="en-US" smtClean="0"/>
-              <a:t>3/10/2014</a:t>
+              <a:t>4/19/2019</a:t>
             </a:fld>
             <a:endParaRPr lang="en-US"/>
           </a:p>
@@ -813,7 +818,7 @@
           <a:p>
             <a:fld id="{BA6EA266-17E0-4AFA-B88A-4639EA71D453}" type="datetime1">
               <a:rPr lang="en-US" smtClean="0"/>
-              <a:t>3/10/2014</a:t>
+              <a:t>4/19/2019</a:t>
             </a:fld>
             <a:endParaRPr lang="en-US"/>
           </a:p>
@@ -988,7 +993,7 @@
           <a:p>
             <a:fld id="{4AD57DF2-0D64-4D14-8D55-8E363BFEE1FB}" type="datetime1">
               <a:rPr lang="en-US" smtClean="0"/>
-              <a:t>3/10/2014</a:t>
+              <a:t>4/19/2019</a:t>
             </a:fld>
             <a:endParaRPr lang="en-US"/>
           </a:p>
@@ -1153,7 +1158,7 @@
           <a:p>
             <a:fld id="{011B9363-663B-4ED4-9D7D-6B1936B98E1F}" type="datetime1">
               <a:rPr lang="en-US" smtClean="0"/>
-              <a:t>3/10/2014</a:t>
+              <a:t>4/19/2019</a:t>
             </a:fld>
             <a:endParaRPr lang="en-US"/>
           </a:p>
@@ -1394,7 +1399,7 @@
           <a:p>
             <a:fld id="{D1399ADE-CB9B-4196-ABAD-38B05BAC5DC4}" type="datetime1">
               <a:rPr lang="en-US" smtClean="0"/>
-              <a:t>3/10/2014</a:t>
+              <a:t>4/19/2019</a:t>
             </a:fld>
             <a:endParaRPr lang="en-US"/>
           </a:p>
@@ -1677,7 +1682,7 @@
           <a:p>
             <a:fld id="{658D00CC-2509-4EEA-8322-B68D17260C30}" type="datetime1">
               <a:rPr lang="en-US" smtClean="0"/>
-              <a:t>3/10/2014</a:t>
+              <a:t>4/19/2019</a:t>
             </a:fld>
             <a:endParaRPr lang="en-US"/>
           </a:p>
@@ -2094,7 +2099,7 @@
           <a:p>
             <a:fld id="{3A72AD84-6C4E-493C-8074-5802177D6DCB}" type="datetime1">
               <a:rPr lang="en-US" smtClean="0"/>
-              <a:t>3/10/2014</a:t>
+              <a:t>4/19/2019</a:t>
             </a:fld>
             <a:endParaRPr lang="en-US"/>
           </a:p>
@@ -2207,7 +2212,7 @@
           <a:p>
             <a:fld id="{EE5DC4CF-95BF-4623-8962-7044E943BCA0}" type="datetime1">
               <a:rPr lang="en-US" smtClean="0"/>
-              <a:t>3/10/2014</a:t>
+              <a:t>4/19/2019</a:t>
             </a:fld>
             <a:endParaRPr lang="en-US"/>
           </a:p>
@@ -2297,7 +2302,7 @@
           <a:p>
             <a:fld id="{88708C65-0E9C-4ADD-9FA2-D9E68BAAA3EA}" type="datetime1">
               <a:rPr lang="en-US" smtClean="0"/>
-              <a:t>3/10/2014</a:t>
+              <a:t>4/19/2019</a:t>
             </a:fld>
             <a:endParaRPr lang="en-US"/>
           </a:p>
@@ -2569,7 +2574,7 @@
           <a:p>
             <a:fld id="{26798BDE-9FC2-4967-8E52-786E38A86A5C}" type="datetime1">
               <a:rPr lang="en-US" smtClean="0"/>
-              <a:t>3/10/2014</a:t>
+              <a:t>4/19/2019</a:t>
             </a:fld>
             <a:endParaRPr lang="en-US"/>
           </a:p>
@@ -2817,7 +2822,7 @@
           <a:p>
             <a:fld id="{E64D9E19-A397-496F-812A-B56D72557CCA}" type="datetime1">
               <a:rPr lang="en-US" smtClean="0"/>
-              <a:t>3/10/2014</a:t>
+              <a:t>4/19/2019</a:t>
             </a:fld>
             <a:endParaRPr lang="en-US"/>
           </a:p>
@@ -3025,7 +3030,7 @@
           <a:p>
             <a:fld id="{D0E0EFDB-D85B-4E07-9808-999AEF750FB2}" type="datetime1">
               <a:rPr lang="en-US" smtClean="0"/>
-              <a:t>3/10/2014</a:t>
+              <a:t>4/19/2019</a:t>
             </a:fld>
             <a:endParaRPr lang="en-US"/>
           </a:p>
@@ -3438,86 +3443,6 @@
       </p:sp>
       <p:sp>
         <p:nvSpPr>
-          <p:cNvPr id="3" name="Subtitle 2"/>
-          <p:cNvSpPr>
-            <a:spLocks noGrp="1"/>
-          </p:cNvSpPr>
-          <p:nvPr>
-            <p:ph type="subTitle" idx="1"/>
-          </p:nvPr>
-        </p:nvSpPr>
-        <p:spPr>
-          <a:xfrm>
-            <a:off x="1371600" y="3886200"/>
-            <a:ext cx="7162800" cy="1752600"/>
-          </a:xfrm>
-        </p:spPr>
-        <p:txBody>
-          <a:bodyPr>
-            <a:normAutofit/>
-          </a:bodyPr>
-          <a:lstStyle/>
-          <a:p>
-            <a:r>
-              <a:rPr lang="en-US" sz="2400" dirty="0" smtClean="0">
-                <a:solidFill>
-                  <a:schemeClr val="tx1"/>
-                </a:solidFill>
-              </a:rPr>
-              <a:t>                             </a:t>
-            </a:r>
-          </a:p>
-          <a:p>
-            <a:r>
-              <a:rPr lang="en-US" sz="2400" dirty="0">
-                <a:solidFill>
-                  <a:schemeClr val="tx1"/>
-                </a:solidFill>
-              </a:rPr>
-              <a:t> </a:t>
-            </a:r>
-            <a:r>
-              <a:rPr lang="en-US" sz="2400" dirty="0" smtClean="0">
-                <a:solidFill>
-                  <a:schemeClr val="tx1"/>
-                </a:solidFill>
-              </a:rPr>
-              <a:t>                                               Presented By:-</a:t>
-            </a:r>
-            <a:r>
-              <a:rPr lang="en-US" sz="2400" dirty="0" err="1" smtClean="0">
-                <a:solidFill>
-                  <a:schemeClr val="tx1"/>
-                </a:solidFill>
-              </a:rPr>
-              <a:t>Pallavi</a:t>
-            </a:r>
-            <a:r>
-              <a:rPr lang="en-US" sz="2400" dirty="0" smtClean="0">
-                <a:solidFill>
-                  <a:schemeClr val="tx1"/>
-                </a:solidFill>
-              </a:rPr>
-              <a:t> </a:t>
-            </a:r>
-            <a:r>
-              <a:rPr lang="en-US" sz="2400" dirty="0" err="1" smtClean="0">
-                <a:solidFill>
-                  <a:schemeClr val="tx1"/>
-                </a:solidFill>
-              </a:rPr>
-              <a:t>Bhalsing</a:t>
-            </a:r>
-            <a:endParaRPr lang="en-US" sz="2400" dirty="0">
-              <a:solidFill>
-                <a:schemeClr val="tx1"/>
-              </a:solidFill>
-            </a:endParaRPr>
-          </a:p>
-        </p:txBody>
-      </p:sp>
-      <p:sp>
-        <p:nvSpPr>
           <p:cNvPr id="4" name="Slide Number Placeholder 3"/>
           <p:cNvSpPr>
             <a:spLocks noGrp="1"/>
@@ -3536,6 +3461,25 @@
               <a:t>1</a:t>
             </a:fld>
             <a:endParaRPr lang="en-US"/>
+          </a:p>
+        </p:txBody>
+      </p:sp>
+      <p:sp>
+        <p:nvSpPr>
+          <p:cNvPr id="5" name="Subtitle 4"/>
+          <p:cNvSpPr>
+            <a:spLocks noGrp="1"/>
+          </p:cNvSpPr>
+          <p:nvPr>
+            <p:ph type="subTitle" idx="1"/>
+          </p:nvPr>
+        </p:nvSpPr>
+        <p:spPr/>
+        <p:txBody>
+          <a:bodyPr/>
+          <a:lstStyle/>
+          <a:p>
+            <a:endParaRPr lang="en-IN"/>
           </a:p>
         </p:txBody>
       </p:sp>
@@ -5270,11 +5214,7 @@
             </a:pPr>
             <a:r>
               <a:rPr lang="en-US" sz="2400" dirty="0" smtClean="0"/>
-              <a:t>	      </a:t>
-            </a:r>
-            <a:r>
-              <a:rPr lang="en-US" sz="2400" dirty="0" smtClean="0"/>
-              <a:t>Queue&lt;</a:t>
+              <a:t>	      Queue&lt;</a:t>
             </a:r>
             <a:r>
               <a:rPr lang="en-US" sz="2400" dirty="0" err="1" smtClean="0"/>
